--- a/ex/template.pptx
+++ b/ex/template.pptx
@@ -259,7 +259,7 @@
           <a:p>
             <a:fld id="{76407C0F-8FE3-442C-BC46-ABD9B5669CDB}" type="datetimeFigureOut">
               <a:rPr lang="zh-CN" altLang="en-US" smtClean="0"/>
-              <a:t>2024/4/8</a:t>
+              <a:t>2024/4/2</a:t>
             </a:fld>
             <a:endParaRPr lang="zh-CN" altLang="en-US"/>
           </a:p>
@@ -457,7 +457,7 @@
           <a:p>
             <a:fld id="{76407C0F-8FE3-442C-BC46-ABD9B5669CDB}" type="datetimeFigureOut">
               <a:rPr lang="zh-CN" altLang="en-US" smtClean="0"/>
-              <a:t>2024/4/8</a:t>
+              <a:t>2024/4/2</a:t>
             </a:fld>
             <a:endParaRPr lang="zh-CN" altLang="en-US"/>
           </a:p>
@@ -665,7 +665,7 @@
           <a:p>
             <a:fld id="{76407C0F-8FE3-442C-BC46-ABD9B5669CDB}" type="datetimeFigureOut">
               <a:rPr lang="zh-CN" altLang="en-US" smtClean="0"/>
-              <a:t>2024/4/8</a:t>
+              <a:t>2024/4/2</a:t>
             </a:fld>
             <a:endParaRPr lang="zh-CN" altLang="en-US"/>
           </a:p>
@@ -863,7 +863,7 @@
           <a:p>
             <a:fld id="{76407C0F-8FE3-442C-BC46-ABD9B5669CDB}" type="datetimeFigureOut">
               <a:rPr lang="zh-CN" altLang="en-US" smtClean="0"/>
-              <a:t>2024/4/8</a:t>
+              <a:t>2024/4/2</a:t>
             </a:fld>
             <a:endParaRPr lang="zh-CN" altLang="en-US"/>
           </a:p>
@@ -1138,7 +1138,7 @@
           <a:p>
             <a:fld id="{76407C0F-8FE3-442C-BC46-ABD9B5669CDB}" type="datetimeFigureOut">
               <a:rPr lang="zh-CN" altLang="en-US" smtClean="0"/>
-              <a:t>2024/4/8</a:t>
+              <a:t>2024/4/2</a:t>
             </a:fld>
             <a:endParaRPr lang="zh-CN" altLang="en-US"/>
           </a:p>
@@ -1403,7 +1403,7 @@
           <a:p>
             <a:fld id="{76407C0F-8FE3-442C-BC46-ABD9B5669CDB}" type="datetimeFigureOut">
               <a:rPr lang="zh-CN" altLang="en-US" smtClean="0"/>
-              <a:t>2024/4/8</a:t>
+              <a:t>2024/4/2</a:t>
             </a:fld>
             <a:endParaRPr lang="zh-CN" altLang="en-US"/>
           </a:p>
@@ -1815,7 +1815,7 @@
           <a:p>
             <a:fld id="{76407C0F-8FE3-442C-BC46-ABD9B5669CDB}" type="datetimeFigureOut">
               <a:rPr lang="zh-CN" altLang="en-US" smtClean="0"/>
-              <a:t>2024/4/8</a:t>
+              <a:t>2024/4/2</a:t>
             </a:fld>
             <a:endParaRPr lang="zh-CN" altLang="en-US"/>
           </a:p>
@@ -1956,7 +1956,7 @@
           <a:p>
             <a:fld id="{76407C0F-8FE3-442C-BC46-ABD9B5669CDB}" type="datetimeFigureOut">
               <a:rPr lang="zh-CN" altLang="en-US" smtClean="0"/>
-              <a:t>2024/4/8</a:t>
+              <a:t>2024/4/2</a:t>
             </a:fld>
             <a:endParaRPr lang="zh-CN" altLang="en-US"/>
           </a:p>
@@ -2069,7 +2069,7 @@
           <a:p>
             <a:fld id="{76407C0F-8FE3-442C-BC46-ABD9B5669CDB}" type="datetimeFigureOut">
               <a:rPr lang="zh-CN" altLang="en-US" smtClean="0"/>
-              <a:t>2024/4/8</a:t>
+              <a:t>2024/4/2</a:t>
             </a:fld>
             <a:endParaRPr lang="zh-CN" altLang="en-US"/>
           </a:p>
@@ -2380,7 +2380,7 @@
           <a:p>
             <a:fld id="{76407C0F-8FE3-442C-BC46-ABD9B5669CDB}" type="datetimeFigureOut">
               <a:rPr lang="zh-CN" altLang="en-US" smtClean="0"/>
-              <a:t>2024/4/8</a:t>
+              <a:t>2024/4/2</a:t>
             </a:fld>
             <a:endParaRPr lang="zh-CN" altLang="en-US"/>
           </a:p>
@@ -2668,7 +2668,7 @@
           <a:p>
             <a:fld id="{76407C0F-8FE3-442C-BC46-ABD9B5669CDB}" type="datetimeFigureOut">
               <a:rPr lang="zh-CN" altLang="en-US" smtClean="0"/>
-              <a:t>2024/4/8</a:t>
+              <a:t>2024/4/2</a:t>
             </a:fld>
             <a:endParaRPr lang="zh-CN" altLang="en-US"/>
           </a:p>
@@ -2909,7 +2909,7 @@
           <a:p>
             <a:fld id="{76407C0F-8FE3-442C-BC46-ABD9B5669CDB}" type="datetimeFigureOut">
               <a:rPr lang="zh-CN" altLang="en-US" smtClean="0"/>
-              <a:t>2024/4/8</a:t>
+              <a:t>2024/4/2</a:t>
             </a:fld>
             <a:endParaRPr lang="zh-CN" altLang="en-US"/>
           </a:p>
@@ -3366,46 +3366,6 @@
           </a:prstGeom>
         </p:spPr>
       </p:pic>
-      <p:pic>
-        <p:nvPicPr>
-          <p:cNvPr id="3" name="图形 2" descr="主页 纯色填充">
-            <a:hlinkClick r:id="rId5"/>
-            <a:extLst>
-              <a:ext uri="{FF2B5EF4-FFF2-40B4-BE49-F238E27FC236}">
-                <a16:creationId xmlns:a16="http://schemas.microsoft.com/office/drawing/2014/main" id="{D2C8324A-ABD1-E04C-198B-0F71EC1A847E}"/>
-              </a:ext>
-            </a:extLst>
-          </p:cNvPr>
-          <p:cNvPicPr>
-            <a:picLocks noChangeAspect="1"/>
-          </p:cNvPicPr>
-          <p:nvPr/>
-        </p:nvPicPr>
-        <p:blipFill>
-          <a:blip r:embed="rId6">
-            <a:extLst>
-              <a:ext uri="{28A0092B-C50C-407E-A947-70E740481C1C}">
-                <a14:useLocalDpi xmlns:a14="http://schemas.microsoft.com/office/drawing/2010/main" val="0"/>
-              </a:ext>
-              <a:ext uri="{96DAC541-7B7A-43D3-8B79-37D633B846F1}">
-                <asvg:svgBlip xmlns:asvg="http://schemas.microsoft.com/office/drawing/2016/SVG/main" r:embed="rId7"/>
-              </a:ext>
-            </a:extLst>
-          </a:blip>
-          <a:stretch>
-            <a:fillRect/>
-          </a:stretch>
-        </p:blipFill>
-        <p:spPr>
-          <a:xfrm>
-            <a:off x="7678616" y="4906107"/>
-            <a:ext cx="914400" cy="914400"/>
-          </a:xfrm>
-          <a:prstGeom prst="rect">
-            <a:avLst/>
-          </a:prstGeom>
-        </p:spPr>
-      </p:pic>
     </p:spTree>
     <p:extLst>
       <p:ext uri="{BB962C8B-B14F-4D97-AF65-F5344CB8AC3E}">
